--- a/.lessons/16 Fundamental. Database - Query Builder/6 Update Data In Database/1.pptx
+++ b/.lessons/16 Fundamental. Database - Query Builder/6 Update Data In Database/1.pptx
@@ -10,6 +10,8 @@
     <p:sldId id="398" r:id="rId4"/>
     <p:sldId id="399" r:id="rId5"/>
     <p:sldId id="400" r:id="rId6"/>
+    <p:sldId id="401" r:id="rId7"/>
+    <p:sldId id="402" r:id="rId8"/>
   </p:sldIdLst>
   <p:sldSz cx="12192000" cy="6858000"/>
   <p:notesSz cx="6858000" cy="9144000"/>
@@ -263,7 +265,7 @@
           <a:p>
             <a:fld id="{3E102D2E-813C-461C-9963-687A650C48C0}" type="datetimeFigureOut">
               <a:rPr lang="en-US" smtClean="0"/>
-              <a:t>4/22/2025</a:t>
+              <a:t>4/23/2025</a:t>
             </a:fld>
             <a:endParaRPr lang="en-US"/>
           </a:p>
@@ -461,7 +463,7 @@
           <a:p>
             <a:fld id="{3E102D2E-813C-461C-9963-687A650C48C0}" type="datetimeFigureOut">
               <a:rPr lang="en-US" smtClean="0"/>
-              <a:t>4/22/2025</a:t>
+              <a:t>4/23/2025</a:t>
             </a:fld>
             <a:endParaRPr lang="en-US"/>
           </a:p>
@@ -669,7 +671,7 @@
           <a:p>
             <a:fld id="{3E102D2E-813C-461C-9963-687A650C48C0}" type="datetimeFigureOut">
               <a:rPr lang="en-US" smtClean="0"/>
-              <a:t>4/22/2025</a:t>
+              <a:t>4/23/2025</a:t>
             </a:fld>
             <a:endParaRPr lang="en-US"/>
           </a:p>
@@ -867,7 +869,7 @@
           <a:p>
             <a:fld id="{3E102D2E-813C-461C-9963-687A650C48C0}" type="datetimeFigureOut">
               <a:rPr lang="en-US" smtClean="0"/>
-              <a:t>4/22/2025</a:t>
+              <a:t>4/23/2025</a:t>
             </a:fld>
             <a:endParaRPr lang="en-US"/>
           </a:p>
@@ -1142,7 +1144,7 @@
           <a:p>
             <a:fld id="{3E102D2E-813C-461C-9963-687A650C48C0}" type="datetimeFigureOut">
               <a:rPr lang="en-US" smtClean="0"/>
-              <a:t>4/22/2025</a:t>
+              <a:t>4/23/2025</a:t>
             </a:fld>
             <a:endParaRPr lang="en-US"/>
           </a:p>
@@ -1407,7 +1409,7 @@
           <a:p>
             <a:fld id="{3E102D2E-813C-461C-9963-687A650C48C0}" type="datetimeFigureOut">
               <a:rPr lang="en-US" smtClean="0"/>
-              <a:t>4/22/2025</a:t>
+              <a:t>4/23/2025</a:t>
             </a:fld>
             <a:endParaRPr lang="en-US"/>
           </a:p>
@@ -1819,7 +1821,7 @@
           <a:p>
             <a:fld id="{3E102D2E-813C-461C-9963-687A650C48C0}" type="datetimeFigureOut">
               <a:rPr lang="en-US" smtClean="0"/>
-              <a:t>4/22/2025</a:t>
+              <a:t>4/23/2025</a:t>
             </a:fld>
             <a:endParaRPr lang="en-US"/>
           </a:p>
@@ -1960,7 +1962,7 @@
           <a:p>
             <a:fld id="{3E102D2E-813C-461C-9963-687A650C48C0}" type="datetimeFigureOut">
               <a:rPr lang="en-US" smtClean="0"/>
-              <a:t>4/22/2025</a:t>
+              <a:t>4/23/2025</a:t>
             </a:fld>
             <a:endParaRPr lang="en-US"/>
           </a:p>
@@ -2073,7 +2075,7 @@
           <a:p>
             <a:fld id="{3E102D2E-813C-461C-9963-687A650C48C0}" type="datetimeFigureOut">
               <a:rPr lang="en-US" smtClean="0"/>
-              <a:t>4/22/2025</a:t>
+              <a:t>4/23/2025</a:t>
             </a:fld>
             <a:endParaRPr lang="en-US"/>
           </a:p>
@@ -2384,7 +2386,7 @@
           <a:p>
             <a:fld id="{3E102D2E-813C-461C-9963-687A650C48C0}" type="datetimeFigureOut">
               <a:rPr lang="en-US" smtClean="0"/>
-              <a:t>4/22/2025</a:t>
+              <a:t>4/23/2025</a:t>
             </a:fld>
             <a:endParaRPr lang="en-US"/>
           </a:p>
@@ -2672,7 +2674,7 @@
           <a:p>
             <a:fld id="{3E102D2E-813C-461C-9963-687A650C48C0}" type="datetimeFigureOut">
               <a:rPr lang="en-US" smtClean="0"/>
-              <a:t>4/22/2025</a:t>
+              <a:t>4/23/2025</a:t>
             </a:fld>
             <a:endParaRPr lang="en-US"/>
           </a:p>
@@ -2913,7 +2915,7 @@
           <a:p>
             <a:fld id="{3E102D2E-813C-461C-9963-687A650C48C0}" type="datetimeFigureOut">
               <a:rPr lang="en-US" smtClean="0"/>
-              <a:t>4/22/2025</a:t>
+              <a:t>4/23/2025</a:t>
             </a:fld>
             <a:endParaRPr lang="en-US"/>
           </a:p>
@@ -3351,7 +3353,7 @@
         <p:spPr>
           <a:xfrm>
             <a:off x="217714" y="255046"/>
-            <a:ext cx="11756571" cy="355354"/>
+            <a:ext cx="11756571" cy="954107"/>
           </a:xfrm>
           <a:prstGeom prst="rect">
             <a:avLst/>
@@ -3365,27 +3367,82 @@
           <a:lstStyle/>
           <a:p>
             <a:pPr>
-              <a:lnSpc>
-                <a:spcPct val="150000"/>
-              </a:lnSpc>
               <a:buNone/>
             </a:pPr>
             <a:r>
-              <a:rPr kumimoji="0" lang="en-US" altLang="en-US" sz="1300" b="0" i="0" u="none" strike="noStrike" cap="none" normalizeH="0" baseline="0">
-                <a:ln>
-                  <a:noFill/>
-                </a:ln>
+              <a:rPr lang="en-US" sz="1400" b="1">
                 <a:solidFill>
-                  <a:schemeClr val="tx1"/>
+                  <a:srgbClr val="FF0000"/>
                 </a:solidFill>
-                <a:effectLst/>
-                <a:latin typeface="Arial" panose="020B0604020202020204" pitchFamily="34" charset="0"/>
               </a:rPr>
-              <a:t>.</a:t>
-            </a:r>
-          </a:p>
-        </p:txBody>
-      </p:sp>
+              <a:t>update() </a:t>
+            </a:r>
+            <a:r>
+              <a:rPr lang="en-US" sz="1400"/>
+              <a:t>metodu </a:t>
+            </a:r>
+            <a:r>
+              <a:rPr lang="en-US" sz="1400" b="1"/>
+              <a:t>Laravel Query Builder</a:t>
+            </a:r>
+            <a:r>
+              <a:rPr lang="en-US" sz="1400"/>
+              <a:t>-də istifadə olunur və verilənlər bazasındakı mövcud sətir(lər)i yeniləmək (dəyişmək) üçün nəzərdə tutulub.</a:t>
+            </a:r>
+          </a:p>
+          <a:p>
+            <a:pPr>
+              <a:buNone/>
+            </a:pPr>
+            <a:endParaRPr lang="en-US" sz="1400"/>
+          </a:p>
+          <a:p>
+            <a:pPr>
+              <a:buNone/>
+            </a:pPr>
+            <a:r>
+              <a:rPr lang="en-US" sz="1400"/>
+              <a:t>Bu metod ilə seçilmiş sətirlərin bir və ya bir neçə sütununu dəyişdirə bilərik.</a:t>
+            </a:r>
+          </a:p>
+          <a:p>
+            <a:pPr>
+              <a:buNone/>
+            </a:pPr>
+            <a:endParaRPr lang="en-US" sz="1400"/>
+          </a:p>
+        </p:txBody>
+      </p:sp>
+      <p:pic>
+        <p:nvPicPr>
+          <p:cNvPr id="4" name="Picture 3">
+            <a:extLst>
+              <a:ext uri="{FF2B5EF4-FFF2-40B4-BE49-F238E27FC236}">
+                <a16:creationId xmlns:a16="http://schemas.microsoft.com/office/drawing/2014/main" id="{504BEA88-649B-37C1-D08B-EA8EC8284EE0}"/>
+              </a:ext>
+            </a:extLst>
+          </p:cNvPr>
+          <p:cNvPicPr>
+            <a:picLocks noChangeAspect="1"/>
+          </p:cNvPicPr>
+          <p:nvPr/>
+        </p:nvPicPr>
+        <p:blipFill>
+          <a:blip r:embed="rId2"/>
+          <a:stretch>
+            <a:fillRect/>
+          </a:stretch>
+        </p:blipFill>
+        <p:spPr>
+          <a:xfrm>
+            <a:off x="3456356" y="2018625"/>
+            <a:ext cx="8735644" cy="4839375"/>
+          </a:xfrm>
+          <a:prstGeom prst="rect">
+            <a:avLst/>
+          </a:prstGeom>
+        </p:spPr>
+      </p:pic>
     </p:spTree>
     <p:extLst>
       <p:ext uri="{BB962C8B-B14F-4D97-AF65-F5344CB8AC3E}">
@@ -3472,6 +3529,36 @@
           </a:p>
         </p:txBody>
       </p:sp>
+      <p:pic>
+        <p:nvPicPr>
+          <p:cNvPr id="4" name="Picture 3">
+            <a:extLst>
+              <a:ext uri="{FF2B5EF4-FFF2-40B4-BE49-F238E27FC236}">
+                <a16:creationId xmlns:a16="http://schemas.microsoft.com/office/drawing/2014/main" id="{3D2AF8E7-2CE4-C427-5350-7738D66611BE}"/>
+              </a:ext>
+            </a:extLst>
+          </p:cNvPr>
+          <p:cNvPicPr>
+            <a:picLocks noChangeAspect="1"/>
+          </p:cNvPicPr>
+          <p:nvPr/>
+        </p:nvPicPr>
+        <p:blipFill>
+          <a:blip r:embed="rId2"/>
+          <a:stretch>
+            <a:fillRect/>
+          </a:stretch>
+        </p:blipFill>
+        <p:spPr>
+          <a:xfrm>
+            <a:off x="283155" y="0"/>
+            <a:ext cx="11625689" cy="6858000"/>
+          </a:xfrm>
+          <a:prstGeom prst="rect">
+            <a:avLst/>
+          </a:prstGeom>
+        </p:spPr>
+      </p:pic>
     </p:spTree>
     <p:extLst>
       <p:ext uri="{BB962C8B-B14F-4D97-AF65-F5344CB8AC3E}">
@@ -3523,7 +3610,7 @@
         <p:spPr>
           <a:xfrm>
             <a:off x="217714" y="255046"/>
-            <a:ext cx="11756571" cy="355354"/>
+            <a:ext cx="11756571" cy="955518"/>
           </a:xfrm>
           <a:prstGeom prst="rect">
             <a:avLst/>
@@ -3553,11 +3640,80 @@
                 <a:effectLst/>
                 <a:latin typeface="Arial" panose="020B0604020202020204" pitchFamily="34" charset="0"/>
               </a:rPr>
-              <a:t>.</a:t>
-            </a:r>
-          </a:p>
-        </p:txBody>
-      </p:sp>
+              <a:t>Əlavə nümunələr</a:t>
+            </a:r>
+          </a:p>
+          <a:p>
+            <a:pPr>
+              <a:lnSpc>
+                <a:spcPct val="150000"/>
+              </a:lnSpc>
+              <a:buNone/>
+            </a:pPr>
+            <a:r>
+              <a:rPr kumimoji="0" lang="en-US" altLang="en-US" sz="1300" b="0" i="0" u="none" strike="noStrike" cap="none" normalizeH="0" baseline="0">
+                <a:ln>
+                  <a:noFill/>
+                </a:ln>
+                <a:solidFill>
+                  <a:schemeClr val="tx1"/>
+                </a:solidFill>
+                <a:effectLst/>
+                <a:latin typeface="Arial" panose="020B0604020202020204" pitchFamily="34" charset="0"/>
+              </a:rPr>
+              <a:t>Birdən çox sətiri yeniləmək: Bu kod bütün inactive statuslu istifadəçiləri active edəcək.</a:t>
+            </a:r>
+          </a:p>
+          <a:p>
+            <a:pPr>
+              <a:lnSpc>
+                <a:spcPct val="150000"/>
+              </a:lnSpc>
+              <a:buNone/>
+            </a:pPr>
+            <a:endParaRPr kumimoji="0" lang="en-US" altLang="en-US" sz="1300" b="0" i="0" u="none" strike="noStrike" cap="none" normalizeH="0" baseline="0">
+              <a:ln>
+                <a:noFill/>
+              </a:ln>
+              <a:solidFill>
+                <a:schemeClr val="tx1"/>
+              </a:solidFill>
+              <a:effectLst/>
+              <a:latin typeface="Arial" panose="020B0604020202020204" pitchFamily="34" charset="0"/>
+            </a:endParaRPr>
+          </a:p>
+        </p:txBody>
+      </p:sp>
+      <p:pic>
+        <p:nvPicPr>
+          <p:cNvPr id="4" name="Picture 3">
+            <a:extLst>
+              <a:ext uri="{FF2B5EF4-FFF2-40B4-BE49-F238E27FC236}">
+                <a16:creationId xmlns:a16="http://schemas.microsoft.com/office/drawing/2014/main" id="{A679F266-9A86-6F83-BE50-DD88AE5BBE8E}"/>
+              </a:ext>
+            </a:extLst>
+          </p:cNvPr>
+          <p:cNvPicPr>
+            <a:picLocks noChangeAspect="1"/>
+          </p:cNvPicPr>
+          <p:nvPr/>
+        </p:nvPicPr>
+        <p:blipFill>
+          <a:blip r:embed="rId2"/>
+          <a:stretch>
+            <a:fillRect/>
+          </a:stretch>
+        </p:blipFill>
+        <p:spPr>
+          <a:xfrm>
+            <a:off x="217714" y="1758850"/>
+            <a:ext cx="4515480" cy="1209844"/>
+          </a:xfrm>
+          <a:prstGeom prst="rect">
+            <a:avLst/>
+          </a:prstGeom>
+        </p:spPr>
+      </p:pic>
     </p:spTree>
     <p:extLst>
       <p:ext uri="{BB962C8B-B14F-4D97-AF65-F5344CB8AC3E}">
@@ -3609,7 +3765,7 @@
         <p:spPr>
           <a:xfrm>
             <a:off x="217714" y="255046"/>
-            <a:ext cx="11756571" cy="355354"/>
+            <a:ext cx="11756571" cy="3356175"/>
           </a:xfrm>
           <a:prstGeom prst="rect">
             <a:avLst/>
@@ -3639,11 +3795,313 @@
                 <a:effectLst/>
                 <a:latin typeface="Arial" panose="020B0604020202020204" pitchFamily="34" charset="0"/>
               </a:rPr>
-              <a:t>.</a:t>
-            </a:r>
-          </a:p>
-        </p:txBody>
-      </p:sp>
+              <a:t>Şərtsiz update (bütün sətirləri): Diqqət! Bu kod bütün istifadəçilərin </a:t>
+            </a:r>
+            <a:r>
+              <a:rPr kumimoji="0" lang="en-US" altLang="en-US" sz="1300" b="1" i="0" u="none" strike="noStrike" cap="none" normalizeH="0" baseline="0">
+                <a:ln>
+                  <a:noFill/>
+                </a:ln>
+                <a:solidFill>
+                  <a:schemeClr val="tx1"/>
+                </a:solidFill>
+                <a:effectLst/>
+                <a:latin typeface="Arial" panose="020B0604020202020204" pitchFamily="34" charset="0"/>
+              </a:rPr>
+              <a:t>is_active </a:t>
+            </a:r>
+            <a:r>
+              <a:rPr kumimoji="0" lang="en-US" altLang="en-US" sz="1300" b="0" i="0" u="none" strike="noStrike" cap="none" normalizeH="0" baseline="0">
+                <a:ln>
+                  <a:noFill/>
+                </a:ln>
+                <a:solidFill>
+                  <a:schemeClr val="tx1"/>
+                </a:solidFill>
+                <a:effectLst/>
+                <a:latin typeface="Arial" panose="020B0604020202020204" pitchFamily="34" charset="0"/>
+              </a:rPr>
+              <a:t>dəyərini true edəcək. Bu tip əməliyyatlarda ehtiyatlı olmaq lazımdır.</a:t>
+            </a:r>
+          </a:p>
+          <a:p>
+            <a:pPr>
+              <a:lnSpc>
+                <a:spcPct val="150000"/>
+              </a:lnSpc>
+              <a:buNone/>
+            </a:pPr>
+            <a:endParaRPr lang="en-US" altLang="en-US" sz="1300">
+              <a:latin typeface="Arial" panose="020B0604020202020204" pitchFamily="34" charset="0"/>
+            </a:endParaRPr>
+          </a:p>
+          <a:p>
+            <a:pPr>
+              <a:lnSpc>
+                <a:spcPct val="150000"/>
+              </a:lnSpc>
+              <a:buNone/>
+            </a:pPr>
+            <a:endParaRPr kumimoji="0" lang="en-US" altLang="en-US" sz="1300" b="0" i="0" u="none" strike="noStrike" cap="none" normalizeH="0" baseline="0">
+              <a:ln>
+                <a:noFill/>
+              </a:ln>
+              <a:solidFill>
+                <a:schemeClr val="tx1"/>
+              </a:solidFill>
+              <a:effectLst/>
+              <a:latin typeface="Arial" panose="020B0604020202020204" pitchFamily="34" charset="0"/>
+            </a:endParaRPr>
+          </a:p>
+          <a:p>
+            <a:pPr>
+              <a:lnSpc>
+                <a:spcPct val="150000"/>
+              </a:lnSpc>
+              <a:buNone/>
+            </a:pPr>
+            <a:endParaRPr lang="en-US" altLang="en-US" sz="1300">
+              <a:latin typeface="Arial" panose="020B0604020202020204" pitchFamily="34" charset="0"/>
+            </a:endParaRPr>
+          </a:p>
+          <a:p>
+            <a:pPr>
+              <a:lnSpc>
+                <a:spcPct val="150000"/>
+              </a:lnSpc>
+              <a:buNone/>
+            </a:pPr>
+            <a:endParaRPr kumimoji="0" lang="en-US" altLang="en-US" sz="1300" b="0" i="0" u="none" strike="noStrike" cap="none" normalizeH="0" baseline="0">
+              <a:ln>
+                <a:noFill/>
+              </a:ln>
+              <a:solidFill>
+                <a:schemeClr val="tx1"/>
+              </a:solidFill>
+              <a:effectLst/>
+              <a:latin typeface="Arial" panose="020B0604020202020204" pitchFamily="34" charset="0"/>
+            </a:endParaRPr>
+          </a:p>
+          <a:p>
+            <a:pPr>
+              <a:lnSpc>
+                <a:spcPct val="150000"/>
+              </a:lnSpc>
+              <a:buNone/>
+            </a:pPr>
+            <a:endParaRPr lang="en-US" altLang="en-US" sz="1300">
+              <a:latin typeface="Arial" panose="020B0604020202020204" pitchFamily="34" charset="0"/>
+            </a:endParaRPr>
+          </a:p>
+          <a:p>
+            <a:pPr>
+              <a:lnSpc>
+                <a:spcPct val="150000"/>
+              </a:lnSpc>
+              <a:buNone/>
+            </a:pPr>
+            <a:endParaRPr kumimoji="0" lang="en-US" altLang="en-US" sz="1300" b="0" i="0" u="none" strike="noStrike" cap="none" normalizeH="0" baseline="0">
+              <a:ln>
+                <a:noFill/>
+              </a:ln>
+              <a:solidFill>
+                <a:schemeClr val="tx1"/>
+              </a:solidFill>
+              <a:effectLst/>
+              <a:latin typeface="Arial" panose="020B0604020202020204" pitchFamily="34" charset="0"/>
+            </a:endParaRPr>
+          </a:p>
+          <a:p>
+            <a:pPr>
+              <a:lnSpc>
+                <a:spcPct val="150000"/>
+              </a:lnSpc>
+              <a:buNone/>
+            </a:pPr>
+            <a:r>
+              <a:rPr kumimoji="0" lang="en-US" altLang="en-US" sz="1300" b="1" i="0" u="none" strike="noStrike" cap="none" normalizeH="0" baseline="0">
+                <a:ln>
+                  <a:noFill/>
+                </a:ln>
+                <a:solidFill>
+                  <a:srgbClr val="FF0000"/>
+                </a:solidFill>
+                <a:effectLst/>
+                <a:latin typeface="Arial" panose="020B0604020202020204" pitchFamily="34" charset="0"/>
+              </a:rPr>
+              <a:t>update()</a:t>
+            </a:r>
+            <a:r>
+              <a:rPr kumimoji="0" lang="en-US" altLang="en-US" sz="1300" b="0" i="0" u="none" strike="noStrike" cap="none" normalizeH="0" baseline="0">
+                <a:ln>
+                  <a:noFill/>
+                </a:ln>
+                <a:solidFill>
+                  <a:schemeClr val="tx1"/>
+                </a:solidFill>
+                <a:effectLst/>
+                <a:latin typeface="Arial" panose="020B0604020202020204" pitchFamily="34" charset="0"/>
+              </a:rPr>
+              <a:t> və </a:t>
+            </a:r>
+            <a:r>
+              <a:rPr kumimoji="0" lang="en-US" altLang="en-US" sz="1300" b="1" i="0" u="none" strike="noStrike" cap="none" normalizeH="0" baseline="0">
+                <a:ln>
+                  <a:noFill/>
+                </a:ln>
+                <a:solidFill>
+                  <a:srgbClr val="FF0000"/>
+                </a:solidFill>
+                <a:effectLst/>
+                <a:latin typeface="Arial" panose="020B0604020202020204" pitchFamily="34" charset="0"/>
+              </a:rPr>
+              <a:t>updateOrInsert() </a:t>
+            </a:r>
+            <a:r>
+              <a:rPr kumimoji="0" lang="en-US" altLang="en-US" sz="1300" b="0" i="0" u="none" strike="noStrike" cap="none" normalizeH="0" baseline="0">
+                <a:ln>
+                  <a:noFill/>
+                </a:ln>
+                <a:solidFill>
+                  <a:schemeClr val="tx1"/>
+                </a:solidFill>
+                <a:effectLst/>
+                <a:latin typeface="Arial" panose="020B0604020202020204" pitchFamily="34" charset="0"/>
+              </a:rPr>
+              <a:t>fərqi</a:t>
+            </a:r>
+          </a:p>
+          <a:p>
+            <a:pPr>
+              <a:lnSpc>
+                <a:spcPct val="150000"/>
+              </a:lnSpc>
+              <a:buNone/>
+            </a:pPr>
+            <a:r>
+              <a:rPr kumimoji="0" lang="en-US" altLang="en-US" sz="1300" b="1" i="0" u="none" strike="noStrike" cap="none" normalizeH="0" baseline="0">
+                <a:ln>
+                  <a:noFill/>
+                </a:ln>
+                <a:solidFill>
+                  <a:schemeClr val="tx1"/>
+                </a:solidFill>
+                <a:effectLst/>
+                <a:latin typeface="Arial" panose="020B0604020202020204" pitchFamily="34" charset="0"/>
+              </a:rPr>
+              <a:t>update() </a:t>
+            </a:r>
+            <a:r>
+              <a:rPr kumimoji="0" lang="en-US" altLang="en-US" sz="1300" b="0" i="0" u="none" strike="noStrike" cap="none" normalizeH="0" baseline="0">
+                <a:ln>
+                  <a:noFill/>
+                </a:ln>
+                <a:solidFill>
+                  <a:schemeClr val="tx1"/>
+                </a:solidFill>
+                <a:effectLst/>
+                <a:latin typeface="Arial" panose="020B0604020202020204" pitchFamily="34" charset="0"/>
+              </a:rPr>
+              <a:t>yalnız mövcud qeyd(lər)i yeniləyir.</a:t>
+            </a:r>
+          </a:p>
+          <a:p>
+            <a:pPr>
+              <a:lnSpc>
+                <a:spcPct val="150000"/>
+              </a:lnSpc>
+              <a:buNone/>
+            </a:pPr>
+            <a:endParaRPr kumimoji="0" lang="en-US" altLang="en-US" sz="1300" b="0" i="0" u="none" strike="noStrike" cap="none" normalizeH="0" baseline="0">
+              <a:ln>
+                <a:noFill/>
+              </a:ln>
+              <a:solidFill>
+                <a:schemeClr val="tx1"/>
+              </a:solidFill>
+              <a:effectLst/>
+              <a:latin typeface="Arial" panose="020B0604020202020204" pitchFamily="34" charset="0"/>
+            </a:endParaRPr>
+          </a:p>
+          <a:p>
+            <a:pPr>
+              <a:lnSpc>
+                <a:spcPct val="150000"/>
+              </a:lnSpc>
+              <a:buNone/>
+            </a:pPr>
+            <a:r>
+              <a:rPr kumimoji="0" lang="en-US" altLang="en-US" sz="1300" b="0" i="0" u="none" strike="noStrike" cap="none" normalizeH="0" baseline="0">
+                <a:ln>
+                  <a:noFill/>
+                </a:ln>
+                <a:solidFill>
+                  <a:schemeClr val="tx1"/>
+                </a:solidFill>
+                <a:effectLst/>
+                <a:latin typeface="Arial" panose="020B0604020202020204" pitchFamily="34" charset="0"/>
+              </a:rPr>
+              <a:t>Əgər qeyd yoxdursa və varsa eyni zamanda insert və ya update etmək istəyirsənsə, </a:t>
+            </a:r>
+            <a:r>
+              <a:rPr kumimoji="0" lang="en-US" altLang="en-US" sz="1300" b="1" i="0" u="none" strike="noStrike" cap="none" normalizeH="0" baseline="0">
+                <a:ln>
+                  <a:noFill/>
+                </a:ln>
+                <a:solidFill>
+                  <a:schemeClr val="tx1"/>
+                </a:solidFill>
+                <a:effectLst/>
+                <a:latin typeface="Arial" panose="020B0604020202020204" pitchFamily="34" charset="0"/>
+              </a:rPr>
+              <a:t>updateOrInsert() </a:t>
+            </a:r>
+            <a:r>
+              <a:rPr kumimoji="0" lang="en-US" altLang="en-US" sz="1300" b="0" i="0" u="none" strike="noStrike" cap="none" normalizeH="0" baseline="0">
+                <a:ln>
+                  <a:noFill/>
+                </a:ln>
+                <a:solidFill>
+                  <a:schemeClr val="tx1"/>
+                </a:solidFill>
+                <a:effectLst/>
+                <a:latin typeface="Arial" panose="020B0604020202020204" pitchFamily="34" charset="0"/>
+              </a:rPr>
+              <a:t>istifadə olunur</a:t>
+            </a:r>
+          </a:p>
+        </p:txBody>
+      </p:sp>
+      <p:pic>
+        <p:nvPicPr>
+          <p:cNvPr id="4" name="Picture 3">
+            <a:extLst>
+              <a:ext uri="{FF2B5EF4-FFF2-40B4-BE49-F238E27FC236}">
+                <a16:creationId xmlns:a16="http://schemas.microsoft.com/office/drawing/2014/main" id="{BA9160F9-D159-26C7-DECD-3ECA296E7D5A}"/>
+              </a:ext>
+            </a:extLst>
+          </p:cNvPr>
+          <p:cNvPicPr>
+            <a:picLocks noChangeAspect="1"/>
+          </p:cNvPicPr>
+          <p:nvPr/>
+        </p:nvPicPr>
+        <p:blipFill>
+          <a:blip r:embed="rId2"/>
+          <a:stretch>
+            <a:fillRect/>
+          </a:stretch>
+        </p:blipFill>
+        <p:spPr>
+          <a:xfrm>
+            <a:off x="217714" y="951130"/>
+            <a:ext cx="5372850" cy="638264"/>
+          </a:xfrm>
+          <a:prstGeom prst="rect">
+            <a:avLst/>
+          </a:prstGeom>
+        </p:spPr>
+      </p:pic>
     </p:spTree>
     <p:extLst>
       <p:ext uri="{BB962C8B-B14F-4D97-AF65-F5344CB8AC3E}">
@@ -3694,6 +4152,182 @@
         </p:nvSpPr>
         <p:spPr>
           <a:xfrm>
+            <a:off x="217714" y="330461"/>
+            <a:ext cx="11756571" cy="655436"/>
+          </a:xfrm>
+          <a:prstGeom prst="rect">
+            <a:avLst/>
+          </a:prstGeom>
+          <a:noFill/>
+        </p:spPr>
+        <p:txBody>
+          <a:bodyPr wrap="square">
+            <a:spAutoFit/>
+          </a:bodyPr>
+          <a:lstStyle/>
+          <a:p>
+            <a:pPr>
+              <a:lnSpc>
+                <a:spcPct val="150000"/>
+              </a:lnSpc>
+              <a:buNone/>
+            </a:pPr>
+            <a:r>
+              <a:rPr kumimoji="0" lang="en-US" altLang="en-US" sz="1300" b="1" i="0" u="none" strike="noStrike" cap="none" normalizeH="0" baseline="0">
+                <a:ln>
+                  <a:noFill/>
+                </a:ln>
+                <a:solidFill>
+                  <a:schemeClr val="tx1"/>
+                </a:solidFill>
+                <a:effectLst/>
+                <a:latin typeface="Arial" panose="020B0604020202020204" pitchFamily="34" charset="0"/>
+              </a:rPr>
+              <a:t>update() </a:t>
+            </a:r>
+            <a:r>
+              <a:rPr kumimoji="0" lang="en-US" altLang="en-US" sz="1300" b="0" i="0" u="none" strike="noStrike" cap="none" normalizeH="0" baseline="0">
+                <a:ln>
+                  <a:noFill/>
+                </a:ln>
+                <a:solidFill>
+                  <a:schemeClr val="tx1"/>
+                </a:solidFill>
+                <a:effectLst/>
+                <a:latin typeface="Arial" panose="020B0604020202020204" pitchFamily="34" charset="0"/>
+              </a:rPr>
+              <a:t>nə qaytarır?</a:t>
+            </a:r>
+          </a:p>
+          <a:p>
+            <a:pPr>
+              <a:lnSpc>
+                <a:spcPct val="150000"/>
+              </a:lnSpc>
+              <a:buNone/>
+            </a:pPr>
+            <a:r>
+              <a:rPr kumimoji="0" lang="en-US" altLang="en-US" sz="1300" b="0" i="0" u="none" strike="noStrike" cap="none" normalizeH="0" baseline="0">
+                <a:ln>
+                  <a:noFill/>
+                </a:ln>
+                <a:solidFill>
+                  <a:schemeClr val="tx1"/>
+                </a:solidFill>
+                <a:effectLst/>
+                <a:latin typeface="Arial" panose="020B0604020202020204" pitchFamily="34" charset="0"/>
+              </a:rPr>
+              <a:t>Bu metod nəticə olaraq neçə sətirin yeniləndiyini ( </a:t>
+            </a:r>
+            <a:r>
+              <a:rPr kumimoji="0" lang="en-US" altLang="en-US" sz="1300" b="1" i="0" u="none" strike="noStrike" cap="none" normalizeH="0" baseline="0">
+                <a:ln>
+                  <a:noFill/>
+                </a:ln>
+                <a:solidFill>
+                  <a:srgbClr val="FF0000"/>
+                </a:solidFill>
+                <a:effectLst/>
+                <a:latin typeface="Arial" panose="020B0604020202020204" pitchFamily="34" charset="0"/>
+              </a:rPr>
+              <a:t>int </a:t>
+            </a:r>
+            <a:r>
+              <a:rPr kumimoji="0" lang="en-US" altLang="en-US" sz="1300" b="0" i="0" u="none" strike="noStrike" cap="none" normalizeH="0" baseline="0">
+                <a:ln>
+                  <a:noFill/>
+                </a:ln>
+                <a:solidFill>
+                  <a:schemeClr val="tx1"/>
+                </a:solidFill>
+                <a:effectLst/>
+                <a:latin typeface="Arial" panose="020B0604020202020204" pitchFamily="34" charset="0"/>
+              </a:rPr>
+              <a:t>) qaytarır:</a:t>
+            </a:r>
+          </a:p>
+        </p:txBody>
+      </p:sp>
+      <p:pic>
+        <p:nvPicPr>
+          <p:cNvPr id="4" name="Picture 3">
+            <a:extLst>
+              <a:ext uri="{FF2B5EF4-FFF2-40B4-BE49-F238E27FC236}">
+                <a16:creationId xmlns:a16="http://schemas.microsoft.com/office/drawing/2014/main" id="{35B89DD9-F2E9-7146-BFF3-553C56AADBC4}"/>
+              </a:ext>
+            </a:extLst>
+          </p:cNvPr>
+          <p:cNvPicPr>
+            <a:picLocks noChangeAspect="1"/>
+          </p:cNvPicPr>
+          <p:nvPr/>
+        </p:nvPicPr>
+        <p:blipFill>
+          <a:blip r:embed="rId2"/>
+          <a:stretch>
+            <a:fillRect/>
+          </a:stretch>
+        </p:blipFill>
+        <p:spPr>
+          <a:xfrm>
+            <a:off x="217714" y="1518416"/>
+            <a:ext cx="8364117" cy="1219370"/>
+          </a:xfrm>
+          <a:prstGeom prst="rect">
+            <a:avLst/>
+          </a:prstGeom>
+        </p:spPr>
+      </p:pic>
+    </p:spTree>
+    <p:extLst>
+      <p:ext uri="{BB962C8B-B14F-4D97-AF65-F5344CB8AC3E}">
+        <p14:creationId xmlns:p14="http://schemas.microsoft.com/office/powerpoint/2010/main" val="3095838342"/>
+      </p:ext>
+    </p:extLst>
+  </p:cSld>
+  <p:clrMapOvr>
+    <a:masterClrMapping/>
+  </p:clrMapOvr>
+</p:sld>
+</file>
+
+<file path=ppt/slides/slide6.xml><?xml version="1.0" encoding="utf-8"?>
+<p:sld xmlns:a="http://schemas.openxmlformats.org/drawingml/2006/main" xmlns:r="http://schemas.openxmlformats.org/officeDocument/2006/relationships" xmlns:p="http://schemas.openxmlformats.org/presentationml/2006/main">
+  <p:cSld>
+    <p:spTree>
+      <p:nvGrpSpPr>
+        <p:cNvPr id="1" name="">
+          <a:extLst>
+            <a:ext uri="{FF2B5EF4-FFF2-40B4-BE49-F238E27FC236}">
+              <a16:creationId xmlns:a16="http://schemas.microsoft.com/office/drawing/2014/main" id="{764773E0-AD34-8D51-46E1-4976DBC6211C}"/>
+            </a:ext>
+          </a:extLst>
+        </p:cNvPr>
+        <p:cNvGrpSpPr/>
+        <p:nvPr/>
+      </p:nvGrpSpPr>
+      <p:grpSpPr>
+        <a:xfrm>
+          <a:off x="0" y="0"/>
+          <a:ext cx="0" cy="0"/>
+          <a:chOff x="0" y="0"/>
+          <a:chExt cx="0" cy="0"/>
+        </a:xfrm>
+      </p:grpSpPr>
+      <p:sp>
+        <p:nvSpPr>
+          <p:cNvPr id="3" name="TextBox 2">
+            <a:extLst>
+              <a:ext uri="{FF2B5EF4-FFF2-40B4-BE49-F238E27FC236}">
+                <a16:creationId xmlns:a16="http://schemas.microsoft.com/office/drawing/2014/main" id="{C49D4F75-1708-FAD5-5749-5B00040C2011}"/>
+              </a:ext>
+            </a:extLst>
+          </p:cNvPr>
+          <p:cNvSpPr txBox="1"/>
+          <p:nvPr/>
+        </p:nvSpPr>
+        <p:spPr>
+          <a:xfrm>
             <a:off x="217714" y="255046"/>
             <a:ext cx="11756571" cy="355354"/>
           </a:xfrm>
@@ -3733,7 +4367,93 @@
     </p:spTree>
     <p:extLst>
       <p:ext uri="{BB962C8B-B14F-4D97-AF65-F5344CB8AC3E}">
-        <p14:creationId xmlns:p14="http://schemas.microsoft.com/office/powerpoint/2010/main" val="3095838342"/>
+        <p14:creationId xmlns:p14="http://schemas.microsoft.com/office/powerpoint/2010/main" val="1094995761"/>
+      </p:ext>
+    </p:extLst>
+  </p:cSld>
+  <p:clrMapOvr>
+    <a:masterClrMapping/>
+  </p:clrMapOvr>
+</p:sld>
+</file>
+
+<file path=ppt/slides/slide7.xml><?xml version="1.0" encoding="utf-8"?>
+<p:sld xmlns:a="http://schemas.openxmlformats.org/drawingml/2006/main" xmlns:r="http://schemas.openxmlformats.org/officeDocument/2006/relationships" xmlns:p="http://schemas.openxmlformats.org/presentationml/2006/main">
+  <p:cSld>
+    <p:spTree>
+      <p:nvGrpSpPr>
+        <p:cNvPr id="1" name="">
+          <a:extLst>
+            <a:ext uri="{FF2B5EF4-FFF2-40B4-BE49-F238E27FC236}">
+              <a16:creationId xmlns:a16="http://schemas.microsoft.com/office/drawing/2014/main" id="{4835B43B-5A06-0FF5-5AF3-141E30C584E9}"/>
+            </a:ext>
+          </a:extLst>
+        </p:cNvPr>
+        <p:cNvGrpSpPr/>
+        <p:nvPr/>
+      </p:nvGrpSpPr>
+      <p:grpSpPr>
+        <a:xfrm>
+          <a:off x="0" y="0"/>
+          <a:ext cx="0" cy="0"/>
+          <a:chOff x="0" y="0"/>
+          <a:chExt cx="0" cy="0"/>
+        </a:xfrm>
+      </p:grpSpPr>
+      <p:sp>
+        <p:nvSpPr>
+          <p:cNvPr id="3" name="TextBox 2">
+            <a:extLst>
+              <a:ext uri="{FF2B5EF4-FFF2-40B4-BE49-F238E27FC236}">
+                <a16:creationId xmlns:a16="http://schemas.microsoft.com/office/drawing/2014/main" id="{F61D662A-CBC8-016E-83A9-FE3C4BDDD240}"/>
+              </a:ext>
+            </a:extLst>
+          </p:cNvPr>
+          <p:cNvSpPr txBox="1"/>
+          <p:nvPr/>
+        </p:nvSpPr>
+        <p:spPr>
+          <a:xfrm>
+            <a:off x="217714" y="255046"/>
+            <a:ext cx="11756571" cy="355354"/>
+          </a:xfrm>
+          <a:prstGeom prst="rect">
+            <a:avLst/>
+          </a:prstGeom>
+          <a:noFill/>
+        </p:spPr>
+        <p:txBody>
+          <a:bodyPr wrap="square">
+            <a:spAutoFit/>
+          </a:bodyPr>
+          <a:lstStyle/>
+          <a:p>
+            <a:pPr>
+              <a:lnSpc>
+                <a:spcPct val="150000"/>
+              </a:lnSpc>
+              <a:buNone/>
+            </a:pPr>
+            <a:r>
+              <a:rPr kumimoji="0" lang="en-US" altLang="en-US" sz="1300" b="0" i="0" u="none" strike="noStrike" cap="none" normalizeH="0" baseline="0">
+                <a:ln>
+                  <a:noFill/>
+                </a:ln>
+                <a:solidFill>
+                  <a:schemeClr val="tx1"/>
+                </a:solidFill>
+                <a:effectLst/>
+                <a:latin typeface="Arial" panose="020B0604020202020204" pitchFamily="34" charset="0"/>
+              </a:rPr>
+              <a:t>.</a:t>
+            </a:r>
+          </a:p>
+        </p:txBody>
+      </p:sp>
+    </p:spTree>
+    <p:extLst>
+      <p:ext uri="{BB962C8B-B14F-4D97-AF65-F5344CB8AC3E}">
+        <p14:creationId xmlns:p14="http://schemas.microsoft.com/office/powerpoint/2010/main" val="2385027083"/>
       </p:ext>
     </p:extLst>
   </p:cSld>
